--- a/The Art of Finding.pptx
+++ b/The Art of Finding.pptx
@@ -109,7 +109,16 @@
       </a:defRPr>
     </a:lvl9pPr>
   </p:defaultTextStyle>
+  <p:extLst>
+    <p:ext uri="{EFAFB233-063F-42B5-8137-9DF3F51BA10A}">
+      <p15:sldGuideLst xmlns:p15="http://schemas.microsoft.com/office/powerpoint/2012/main"/>
+    </p:ext>
+  </p:extLst>
 </p:presentation>
+</file>
+
+<file path=ppt/revisionInfo.xml><?xml version="1.0" encoding="utf-8"?>
+<p1510:revInfo xmlns:a="http://schemas.openxmlformats.org/drawingml/2006/main" xmlns:r="http://schemas.openxmlformats.org/officeDocument/2006/relationships" xmlns:p1510="http://schemas.microsoft.com/office/powerpoint/2015/10/main"/>
 </file>
 
 <file path=ppt/slideLayouts/slideLayout1.xml><?xml version="1.0" encoding="utf-8"?>
@@ -298,7 +307,7 @@
           <a:p>
             <a:fld id="{4AAD347D-5ACD-4C99-B74B-A9C85AD731AF}" type="datetimeFigureOut">
               <a:rPr lang="en-US" dirty="0"/>
-              <a:t>12/18/2017</a:t>
+              <a:t>12/19/2017</a:t>
             </a:fld>
             <a:endParaRPr lang="en-US" dirty="0"/>
           </a:p>
@@ -568,7 +577,7 @@
           <a:p>
             <a:fld id="{4509A250-FF31-4206-8172-F9D3106AACB1}" type="datetimeFigureOut">
               <a:rPr lang="en-US" dirty="0"/>
-              <a:t>12/18/2017</a:t>
+              <a:t>12/19/2017</a:t>
             </a:fld>
             <a:endParaRPr lang="en-US" dirty="0"/>
           </a:p>
@@ -757,7 +766,7 @@
           <a:p>
             <a:fld id="{4509A250-FF31-4206-8172-F9D3106AACB1}" type="datetimeFigureOut">
               <a:rPr lang="en-US" dirty="0"/>
-              <a:t>12/18/2017</a:t>
+              <a:t>12/19/2017</a:t>
             </a:fld>
             <a:endParaRPr lang="en-US" dirty="0"/>
           </a:p>
@@ -1025,7 +1034,7 @@
           <a:p>
             <a:fld id="{4509A250-FF31-4206-8172-F9D3106AACB1}" type="datetimeFigureOut">
               <a:rPr lang="en-US" dirty="0"/>
-              <a:t>12/18/2017</a:t>
+              <a:t>12/19/2017</a:t>
             </a:fld>
             <a:endParaRPr lang="en-US" dirty="0"/>
           </a:p>
@@ -1361,7 +1370,7 @@
           <a:p>
             <a:fld id="{4509A250-FF31-4206-8172-F9D3106AACB1}" type="datetimeFigureOut">
               <a:rPr lang="en-US" dirty="0"/>
-              <a:t>12/18/2017</a:t>
+              <a:t>12/19/2017</a:t>
             </a:fld>
             <a:endParaRPr lang="en-US" dirty="0"/>
           </a:p>
@@ -1979,7 +1988,7 @@
           <a:p>
             <a:fld id="{4509A250-FF31-4206-8172-F9D3106AACB1}" type="datetimeFigureOut">
               <a:rPr lang="en-US" dirty="0"/>
-              <a:t>12/18/2017</a:t>
+              <a:t>12/19/2017</a:t>
             </a:fld>
             <a:endParaRPr lang="en-US" dirty="0"/>
           </a:p>
@@ -2834,7 +2843,7 @@
           <a:p>
             <a:fld id="{4509A250-FF31-4206-8172-F9D3106AACB1}" type="datetimeFigureOut">
               <a:rPr lang="en-US" dirty="0"/>
-              <a:t>12/18/2017</a:t>
+              <a:t>12/19/2017</a:t>
             </a:fld>
             <a:endParaRPr lang="en-US" dirty="0"/>
           </a:p>
@@ -2999,7 +3008,7 @@
           <a:p>
             <a:fld id="{4509A250-FF31-4206-8172-F9D3106AACB1}" type="datetimeFigureOut">
               <a:rPr lang="en-US" dirty="0"/>
-              <a:t>12/18/2017</a:t>
+              <a:t>12/19/2017</a:t>
             </a:fld>
             <a:endParaRPr lang="en-US" dirty="0"/>
           </a:p>
@@ -3174,7 +3183,7 @@
           <a:p>
             <a:fld id="{4509A250-FF31-4206-8172-F9D3106AACB1}" type="datetimeFigureOut">
               <a:rPr lang="en-US" dirty="0"/>
-              <a:t>12/18/2017</a:t>
+              <a:t>12/19/2017</a:t>
             </a:fld>
             <a:endParaRPr lang="en-US" dirty="0"/>
           </a:p>
@@ -3339,7 +3348,7 @@
           <a:p>
             <a:fld id="{4509A250-FF31-4206-8172-F9D3106AACB1}" type="datetimeFigureOut">
               <a:rPr lang="en-US" dirty="0"/>
-              <a:t>12/18/2017</a:t>
+              <a:t>12/19/2017</a:t>
             </a:fld>
             <a:endParaRPr lang="en-US" dirty="0"/>
           </a:p>
@@ -3581,7 +3590,7 @@
           <a:p>
             <a:fld id="{9796027F-7875-4030-9381-8BD8C4F21935}" type="datetimeFigureOut">
               <a:rPr lang="en-US" dirty="0"/>
-              <a:t>12/18/2017</a:t>
+              <a:t>12/19/2017</a:t>
             </a:fld>
             <a:endParaRPr lang="en-US" dirty="0"/>
           </a:p>
@@ -3868,7 +3877,7 @@
           <a:p>
             <a:fld id="{9796027F-7875-4030-9381-8BD8C4F21935}" type="datetimeFigureOut">
               <a:rPr lang="en-US" dirty="0"/>
-              <a:t>12/18/2017</a:t>
+              <a:t>12/19/2017</a:t>
             </a:fld>
             <a:endParaRPr lang="en-US" dirty="0"/>
           </a:p>
@@ -4307,7 +4316,7 @@
           <a:p>
             <a:fld id="{9796027F-7875-4030-9381-8BD8C4F21935}" type="datetimeFigureOut">
               <a:rPr lang="en-US" dirty="0"/>
-              <a:t>12/18/2017</a:t>
+              <a:t>12/19/2017</a:t>
             </a:fld>
             <a:endParaRPr lang="en-US" dirty="0"/>
           </a:p>
@@ -4420,7 +4429,7 @@
           <a:p>
             <a:fld id="{4509A250-FF31-4206-8172-F9D3106AACB1}" type="datetimeFigureOut">
               <a:rPr lang="en-US" dirty="0"/>
-              <a:t>12/18/2017</a:t>
+              <a:t>12/19/2017</a:t>
             </a:fld>
             <a:endParaRPr lang="en-US" dirty="0"/>
           </a:p>
@@ -4510,7 +4519,7 @@
           <a:p>
             <a:fld id="{4509A250-FF31-4206-8172-F9D3106AACB1}" type="datetimeFigureOut">
               <a:rPr lang="en-US" dirty="0"/>
-              <a:t>12/18/2017</a:t>
+              <a:t>12/19/2017</a:t>
             </a:fld>
             <a:endParaRPr lang="en-US" dirty="0"/>
           </a:p>
@@ -4784,7 +4793,7 @@
           <a:p>
             <a:fld id="{4509A250-FF31-4206-8172-F9D3106AACB1}" type="datetimeFigureOut">
               <a:rPr lang="en-US" dirty="0"/>
-              <a:t>12/18/2017</a:t>
+              <a:t>12/19/2017</a:t>
             </a:fld>
             <a:endParaRPr lang="en-US" dirty="0"/>
           </a:p>
@@ -5054,7 +5063,7 @@
           <a:p>
             <a:fld id="{4509A250-FF31-4206-8172-F9D3106AACB1}" type="datetimeFigureOut">
               <a:rPr lang="en-US" dirty="0"/>
-              <a:t>12/18/2017</a:t>
+              <a:t>12/19/2017</a:t>
             </a:fld>
             <a:endParaRPr lang="en-US" dirty="0"/>
           </a:p>
@@ -5478,7 +5487,7 @@
           <a:p>
             <a:fld id="{4AAD347D-5ACD-4C99-B74B-A9C85AD731AF}" type="datetimeFigureOut">
               <a:rPr lang="en-US" dirty="0"/>
-              <a:t>12/18/2017</a:t>
+              <a:t>12/19/2017</a:t>
             </a:fld>
             <a:endParaRPr lang="en-US" dirty="0"/>
           </a:p>
@@ -6047,20 +6056,27 @@
             <p:ph sz="half" idx="1"/>
           </p:nvPr>
         </p:nvSpPr>
-        <p:spPr/>
+        <p:spPr>
+          <a:xfrm>
+            <a:off x="1103312" y="2060575"/>
+            <a:ext cx="5367230" cy="4195763"/>
+          </a:xfrm>
+        </p:spPr>
         <p:txBody>
           <a:bodyPr>
             <a:normAutofit/>
           </a:bodyPr>
           <a:lstStyle/>
           <a:p>
-            <a:pPr algn="ctr"/>
+            <a:pPr marL="0" indent="0" algn="ctr">
+              <a:buNone/>
+            </a:pPr>
             <a:r>
               <a:rPr lang="en-US" sz="2400" dirty="0">
                 <a:latin typeface="Arial" panose="020B0604020202020204" pitchFamily="34" charset="0"/>
                 <a:cs typeface="Arial" panose="020B0604020202020204" pitchFamily="34" charset="0"/>
               </a:rPr>
-              <a:t>This application allows the user to search for images of historic artwork. It provides data about the work of art, as well as the location of the gallery where the art work is on display. Google Maps provides the address of the gallery.</a:t>
+              <a:t>The Art of Finding application allows the user to search for images of historic artwork. It provides data about the work of art, as well as the location of the gallery where the art work is currently on display. Google Maps provides the address of the gallery. The user can browse Amazon to purchase images of the art work.</a:t>
             </a:r>
           </a:p>
         </p:txBody>
@@ -6096,7 +6112,7 @@
         </p:blipFill>
         <p:spPr bwMode="auto">
           <a:xfrm>
-            <a:off x="6470542" y="2055813"/>
+            <a:off x="8299341" y="2055813"/>
             <a:ext cx="2764054" cy="4200525"/>
           </a:xfrm>
           <a:prstGeom prst="rect">

--- a/The Art of Finding.pptx
+++ b/The Art of Finding.pptx
@@ -109,7 +109,16 @@
       </a:defRPr>
     </a:lvl9pPr>
   </p:defaultTextStyle>
+  <p:extLst>
+    <p:ext uri="{EFAFB233-063F-42B5-8137-9DF3F51BA10A}">
+      <p15:sldGuideLst xmlns:p15="http://schemas.microsoft.com/office/powerpoint/2012/main"/>
+    </p:ext>
+  </p:extLst>
 </p:presentation>
+</file>
+
+<file path=ppt/revisionInfo.xml><?xml version="1.0" encoding="utf-8"?>
+<p1510:revInfo xmlns:a="http://schemas.openxmlformats.org/drawingml/2006/main" xmlns:r="http://schemas.openxmlformats.org/officeDocument/2006/relationships" xmlns:p1510="http://schemas.microsoft.com/office/powerpoint/2015/10/main"/>
 </file>
 
 <file path=ppt/slideLayouts/slideLayout1.xml><?xml version="1.0" encoding="utf-8"?>
@@ -298,7 +307,7 @@
           <a:p>
             <a:fld id="{4AAD347D-5ACD-4C99-B74B-A9C85AD731AF}" type="datetimeFigureOut">
               <a:rPr lang="en-US" dirty="0"/>
-              <a:t>12/18/2017</a:t>
+              <a:t>12/21/2017</a:t>
             </a:fld>
             <a:endParaRPr lang="en-US" dirty="0"/>
           </a:p>
@@ -568,7 +577,7 @@
           <a:p>
             <a:fld id="{4509A250-FF31-4206-8172-F9D3106AACB1}" type="datetimeFigureOut">
               <a:rPr lang="en-US" dirty="0"/>
-              <a:t>12/18/2017</a:t>
+              <a:t>12/21/2017</a:t>
             </a:fld>
             <a:endParaRPr lang="en-US" dirty="0"/>
           </a:p>
@@ -757,7 +766,7 @@
           <a:p>
             <a:fld id="{4509A250-FF31-4206-8172-F9D3106AACB1}" type="datetimeFigureOut">
               <a:rPr lang="en-US" dirty="0"/>
-              <a:t>12/18/2017</a:t>
+              <a:t>12/21/2017</a:t>
             </a:fld>
             <a:endParaRPr lang="en-US" dirty="0"/>
           </a:p>
@@ -1025,7 +1034,7 @@
           <a:p>
             <a:fld id="{4509A250-FF31-4206-8172-F9D3106AACB1}" type="datetimeFigureOut">
               <a:rPr lang="en-US" dirty="0"/>
-              <a:t>12/18/2017</a:t>
+              <a:t>12/21/2017</a:t>
             </a:fld>
             <a:endParaRPr lang="en-US" dirty="0"/>
           </a:p>
@@ -1361,7 +1370,7 @@
           <a:p>
             <a:fld id="{4509A250-FF31-4206-8172-F9D3106AACB1}" type="datetimeFigureOut">
               <a:rPr lang="en-US" dirty="0"/>
-              <a:t>12/18/2017</a:t>
+              <a:t>12/21/2017</a:t>
             </a:fld>
             <a:endParaRPr lang="en-US" dirty="0"/>
           </a:p>
@@ -1979,7 +1988,7 @@
           <a:p>
             <a:fld id="{4509A250-FF31-4206-8172-F9D3106AACB1}" type="datetimeFigureOut">
               <a:rPr lang="en-US" dirty="0"/>
-              <a:t>12/18/2017</a:t>
+              <a:t>12/21/2017</a:t>
             </a:fld>
             <a:endParaRPr lang="en-US" dirty="0"/>
           </a:p>
@@ -2834,7 +2843,7 @@
           <a:p>
             <a:fld id="{4509A250-FF31-4206-8172-F9D3106AACB1}" type="datetimeFigureOut">
               <a:rPr lang="en-US" dirty="0"/>
-              <a:t>12/18/2017</a:t>
+              <a:t>12/21/2017</a:t>
             </a:fld>
             <a:endParaRPr lang="en-US" dirty="0"/>
           </a:p>
@@ -2999,7 +3008,7 @@
           <a:p>
             <a:fld id="{4509A250-FF31-4206-8172-F9D3106AACB1}" type="datetimeFigureOut">
               <a:rPr lang="en-US" dirty="0"/>
-              <a:t>12/18/2017</a:t>
+              <a:t>12/21/2017</a:t>
             </a:fld>
             <a:endParaRPr lang="en-US" dirty="0"/>
           </a:p>
@@ -3174,7 +3183,7 @@
           <a:p>
             <a:fld id="{4509A250-FF31-4206-8172-F9D3106AACB1}" type="datetimeFigureOut">
               <a:rPr lang="en-US" dirty="0"/>
-              <a:t>12/18/2017</a:t>
+              <a:t>12/21/2017</a:t>
             </a:fld>
             <a:endParaRPr lang="en-US" dirty="0"/>
           </a:p>
@@ -3339,7 +3348,7 @@
           <a:p>
             <a:fld id="{4509A250-FF31-4206-8172-F9D3106AACB1}" type="datetimeFigureOut">
               <a:rPr lang="en-US" dirty="0"/>
-              <a:t>12/18/2017</a:t>
+              <a:t>12/21/2017</a:t>
             </a:fld>
             <a:endParaRPr lang="en-US" dirty="0"/>
           </a:p>
@@ -3581,7 +3590,7 @@
           <a:p>
             <a:fld id="{9796027F-7875-4030-9381-8BD8C4F21935}" type="datetimeFigureOut">
               <a:rPr lang="en-US" dirty="0"/>
-              <a:t>12/18/2017</a:t>
+              <a:t>12/21/2017</a:t>
             </a:fld>
             <a:endParaRPr lang="en-US" dirty="0"/>
           </a:p>
@@ -3868,7 +3877,7 @@
           <a:p>
             <a:fld id="{9796027F-7875-4030-9381-8BD8C4F21935}" type="datetimeFigureOut">
               <a:rPr lang="en-US" dirty="0"/>
-              <a:t>12/18/2017</a:t>
+              <a:t>12/21/2017</a:t>
             </a:fld>
             <a:endParaRPr lang="en-US" dirty="0"/>
           </a:p>
@@ -4307,7 +4316,7 @@
           <a:p>
             <a:fld id="{9796027F-7875-4030-9381-8BD8C4F21935}" type="datetimeFigureOut">
               <a:rPr lang="en-US" dirty="0"/>
-              <a:t>12/18/2017</a:t>
+              <a:t>12/21/2017</a:t>
             </a:fld>
             <a:endParaRPr lang="en-US" dirty="0"/>
           </a:p>
@@ -4420,7 +4429,7 @@
           <a:p>
             <a:fld id="{4509A250-FF31-4206-8172-F9D3106AACB1}" type="datetimeFigureOut">
               <a:rPr lang="en-US" dirty="0"/>
-              <a:t>12/18/2017</a:t>
+              <a:t>12/21/2017</a:t>
             </a:fld>
             <a:endParaRPr lang="en-US" dirty="0"/>
           </a:p>
@@ -4510,7 +4519,7 @@
           <a:p>
             <a:fld id="{4509A250-FF31-4206-8172-F9D3106AACB1}" type="datetimeFigureOut">
               <a:rPr lang="en-US" dirty="0"/>
-              <a:t>12/18/2017</a:t>
+              <a:t>12/21/2017</a:t>
             </a:fld>
             <a:endParaRPr lang="en-US" dirty="0"/>
           </a:p>
@@ -4784,7 +4793,7 @@
           <a:p>
             <a:fld id="{4509A250-FF31-4206-8172-F9D3106AACB1}" type="datetimeFigureOut">
               <a:rPr lang="en-US" dirty="0"/>
-              <a:t>12/18/2017</a:t>
+              <a:t>12/21/2017</a:t>
             </a:fld>
             <a:endParaRPr lang="en-US" dirty="0"/>
           </a:p>
@@ -5054,7 +5063,7 @@
           <a:p>
             <a:fld id="{4509A250-FF31-4206-8172-F9D3106AACB1}" type="datetimeFigureOut">
               <a:rPr lang="en-US" dirty="0"/>
-              <a:t>12/18/2017</a:t>
+              <a:t>12/21/2017</a:t>
             </a:fld>
             <a:endParaRPr lang="en-US" dirty="0"/>
           </a:p>
@@ -5478,7 +5487,7 @@
           <a:p>
             <a:fld id="{4AAD347D-5ACD-4C99-B74B-A9C85AD731AF}" type="datetimeFigureOut">
               <a:rPr lang="en-US" dirty="0"/>
-              <a:t>12/18/2017</a:t>
+              <a:t>12/21/2017</a:t>
             </a:fld>
             <a:endParaRPr lang="en-US" dirty="0"/>
           </a:p>
@@ -6067,51 +6076,34 @@
       </p:sp>
       <p:pic>
         <p:nvPicPr>
-          <p:cNvPr id="1026" name="Picture 2" descr="Related image">
+          <p:cNvPr id="5" name="Content Placeholder 4">
             <a:extLst>
               <a:ext uri="{FF2B5EF4-FFF2-40B4-BE49-F238E27FC236}">
-                <a16:creationId xmlns:a16="http://schemas.microsoft.com/office/drawing/2014/main" id="{5D97F90E-9BD0-430D-A768-5C41855DF4E2}"/>
+                <a16:creationId xmlns:a16="http://schemas.microsoft.com/office/drawing/2014/main" id="{E5199DFE-7F2B-4502-BAC5-C9F44C4089BB}"/>
               </a:ext>
             </a:extLst>
           </p:cNvPr>
           <p:cNvPicPr>
-            <a:picLocks noGrp="1" noChangeAspect="1" noChangeArrowheads="1"/>
+            <a:picLocks noGrp="1" noChangeAspect="1"/>
           </p:cNvPicPr>
           <p:nvPr>
             <p:ph sz="half" idx="2"/>
           </p:nvPr>
         </p:nvPicPr>
         <p:blipFill>
-          <a:blip r:embed="rId2">
-            <a:extLst>
-              <a:ext uri="{28A0092B-C50C-407E-A947-70E740481C1C}">
-                <a14:useLocalDpi xmlns:a14="http://schemas.microsoft.com/office/drawing/2010/main" val="0"/>
-              </a:ext>
-            </a:extLst>
-          </a:blip>
-          <a:srcRect/>
+          <a:blip r:embed="rId2"/>
           <a:stretch>
             <a:fillRect/>
           </a:stretch>
         </p:blipFill>
-        <p:spPr bwMode="auto">
+        <p:spPr>
           <a:xfrm>
-            <a:off x="6470542" y="2055813"/>
-            <a:ext cx="2764054" cy="4200525"/>
+            <a:off x="6033661" y="2055813"/>
+            <a:ext cx="4200525" cy="4200525"/>
           </a:xfrm>
           <a:prstGeom prst="rect">
             <a:avLst/>
           </a:prstGeom>
-          <a:noFill/>
-          <a:extLst>
-            <a:ext uri="{909E8E84-426E-40DD-AFC4-6F175D3DCCD1}">
-              <a14:hiddenFill xmlns:a14="http://schemas.microsoft.com/office/drawing/2010/main">
-                <a:solidFill>
-                  <a:srgbClr val="FFFFFF"/>
-                </a:solidFill>
-              </a14:hiddenFill>
-            </a:ext>
-          </a:extLst>
         </p:spPr>
       </p:pic>
     </p:spTree>
@@ -6376,6 +6368,15 @@
                 <a:cs typeface="Arial" panose="020B0604020202020204" pitchFamily="34" charset="0"/>
               </a:rPr>
               <a:t>You can purchase images of the artwork from Amazon.</a:t>
+            </a:r>
+          </a:p>
+          <a:p>
+            <a:r>
+              <a:rPr lang="en-US" sz="2400" dirty="0">
+                <a:latin typeface="Arial" panose="020B0604020202020204" pitchFamily="34" charset="0"/>
+                <a:cs typeface="Arial" panose="020B0604020202020204" pitchFamily="34" charset="0"/>
+              </a:rPr>
+              <a:t>You can view artwork in Galleries via Google Maps</a:t>
             </a:r>
             <a:endParaRPr lang="en-US" sz="2400" dirty="0"/>
           </a:p>
